--- a/CKDSurveillance/PPT/Q98.pptx
+++ b/CKDSurveillance/PPT/Q98.pptx
@@ -156,7 +156,7 @@
           <c:order val="0"/>
           <c:tx>
             <c:strRef>
-              <c:f>'crude and age-standardized'!$B$4</c:f>
+              <c:f>Overall!$B$4</c:f>
               <c:strCache>
                 <c:ptCount val="1"/>
                 <c:pt idx="0">
@@ -168,7 +168,7 @@
           <c:spPr>
             <a:ln w="44450" cap="rnd">
               <a:solidFill>
-                <a:srgbClr val="7030A0"/>
+                <a:srgbClr val="800080"/>
               </a:solidFill>
               <a:round/>
             </a:ln>
@@ -179,11 +179,11 @@
             <c:size val="5"/>
             <c:spPr>
               <a:solidFill>
-                <a:srgbClr val="7030A0"/>
+                <a:srgbClr val="800080"/>
               </a:solidFill>
               <a:ln w="44450">
                 <a:solidFill>
-                  <a:srgbClr val="7030A0"/>
+                  <a:srgbClr val="800080"/>
                 </a:solidFill>
               </a:ln>
               <a:effectLst/>
@@ -191,7 +191,7 @@
           </c:marker>
           <c:cat>
             <c:strRef>
-              <c:f>'crude and age-standardized'!$A$5:$A$9</c:f>
+              <c:f>Overall!$A$5:$A$9</c:f>
               <c:strCache>
                 <c:ptCount val="5"/>
                 <c:pt idx="0">
@@ -214,7 +214,7 @@
           </c:cat>
           <c:val>
             <c:numRef>
-              <c:f>'crude and age-standardized'!$B$5:$B$9</c:f>
+              <c:f>Overall!$B$5:$B$9</c:f>
               <c:numCache>
                 <c:formatCode>0.0</c:formatCode>
                 <c:ptCount val="5"/>
@@ -231,7 +231,7 @@
                   <c:v>20.7</c:v>
                 </c:pt>
                 <c:pt idx="4">
-                  <c:v>24.8</c:v>
+                  <c:v>25.6</c:v>
                 </c:pt>
               </c:numCache>
             </c:numRef>
@@ -239,7 +239,7 @@
           <c:smooth val="0"/>
           <c:extLst>
             <c:ext xmlns:c16="http://schemas.microsoft.com/office/drawing/2014/chart" uri="{C3380CC4-5D6E-409C-BE32-E72D297353CC}">
-              <c16:uniqueId val="{00000000-0C30-461F-B264-6AC256177153}"/>
+              <c16:uniqueId val="{00000000-9AAE-4BE6-821D-D8FACED6B0B4}"/>
             </c:ext>
           </c:extLst>
         </c:ser>
@@ -285,7 +285,7 @@
           <a:lstStyle/>
           <a:p>
             <a:pPr>
-              <a:defRPr sz="2400" b="0" i="0" u="none" strike="noStrike" kern="1200" baseline="0">
+              <a:defRPr sz="2300" b="0" i="0" u="none" strike="noStrike" kern="1200" baseline="0">
                 <a:solidFill>
                   <a:schemeClr val="tx1"/>
                 </a:solidFill>
@@ -308,7 +308,7 @@
         <c:axId val="1357445615"/>
         <c:scaling>
           <c:orientation val="minMax"/>
-          <c:max val="25"/>
+          <c:max val="30"/>
         </c:scaling>
         <c:delete val="0"/>
         <c:axPos val="l"/>
@@ -333,7 +333,7 @@
               <a:lstStyle/>
               <a:p>
                 <a:pPr>
-                  <a:defRPr sz="2800" b="0" i="0" u="none" strike="noStrike" kern="1200" baseline="0">
+                  <a:defRPr sz="2400" b="0" i="0" u="none" strike="noStrike" kern="1200" baseline="0">
                     <a:solidFill>
                       <a:schemeClr val="tx1"/>
                     </a:solidFill>
@@ -343,7 +343,7 @@
                   </a:defRPr>
                 </a:pPr>
                 <a:r>
-                  <a:rPr lang="en-US" sz="2800">
+                  <a:rPr lang="en-US" sz="2400">
                     <a:solidFill>
                       <a:schemeClr val="tx1"/>
                     </a:solidFill>
@@ -351,14 +351,14 @@
                   <a:t>Aware</a:t>
                 </a:r>
                 <a:r>
-                  <a:rPr lang="en-US" sz="2800" baseline="0">
+                  <a:rPr lang="en-US" sz="2400" baseline="0">
                     <a:solidFill>
                       <a:schemeClr val="tx1"/>
                     </a:solidFill>
                   </a:rPr>
                   <a:t> of CKD (%)</a:t>
                 </a:r>
-                <a:endParaRPr lang="en-US" sz="2800">
+                <a:endParaRPr lang="en-US" sz="2400">
                   <a:solidFill>
                     <a:schemeClr val="tx1"/>
                   </a:solidFill>
@@ -371,7 +371,7 @@
               <c:xMode val="edge"/>
               <c:yMode val="edge"/>
               <c:x val="0"/>
-              <c:y val="0.12776981827882711"/>
+              <c:y val="0.16219728270560876"/>
             </c:manualLayout>
           </c:layout>
           <c:overlay val="0"/>
@@ -387,7 +387,7 @@
             <a:lstStyle/>
             <a:p>
               <a:pPr>
-                <a:defRPr sz="2800" b="0" i="0" u="none" strike="noStrike" kern="1200" baseline="0">
+                <a:defRPr sz="2400" b="0" i="0" u="none" strike="noStrike" kern="1200" baseline="0">
                   <a:solidFill>
                     <a:schemeClr val="tx1"/>
                   </a:solidFill>
@@ -416,7 +416,7 @@
           <a:lstStyle/>
           <a:p>
             <a:pPr>
-              <a:defRPr sz="2400" b="0" i="0" u="none" strike="noStrike" kern="1200" baseline="0">
+              <a:defRPr sz="2300" b="0" i="0" u="none" strike="noStrike" kern="1200" baseline="0">
                 <a:solidFill>
                   <a:schemeClr val="tx1"/>
                 </a:solidFill>
@@ -511,7 +511,7 @@
           <c:spPr>
             <a:ln w="44450" cap="rnd">
               <a:solidFill>
-                <a:srgbClr val="7030A0"/>
+                <a:schemeClr val="accent1"/>
               </a:solidFill>
               <a:round/>
             </a:ln>
@@ -522,11 +522,11 @@
             <c:size val="5"/>
             <c:spPr>
               <a:solidFill>
-                <a:srgbClr val="7030A0"/>
+                <a:schemeClr val="accent1"/>
               </a:solidFill>
               <a:ln w="44450">
                 <a:solidFill>
-                  <a:srgbClr val="7030A0"/>
+                  <a:schemeClr val="accent1"/>
                 </a:solidFill>
               </a:ln>
               <a:effectLst/>
@@ -574,7 +574,7 @@
                   <c:v>31.1</c:v>
                 </c:pt>
                 <c:pt idx="4">
-                  <c:v>40.6</c:v>
+                  <c:v>44.4</c:v>
                 </c:pt>
               </c:numCache>
             </c:numRef>
@@ -582,7 +582,7 @@
           <c:smooth val="0"/>
           <c:extLst>
             <c:ext xmlns:c16="http://schemas.microsoft.com/office/drawing/2014/chart" uri="{C3380CC4-5D6E-409C-BE32-E72D297353CC}">
-              <c16:uniqueId val="{00000000-7BCE-4D01-8D8A-B17FA668C58D}"/>
+              <c16:uniqueId val="{00000000-D048-4450-95AD-30BBD7D44284}"/>
             </c:ext>
           </c:extLst>
         </c:ser>
@@ -603,7 +603,7 @@
           <c:spPr>
             <a:ln w="44450" cap="rnd">
               <a:solidFill>
-                <a:srgbClr val="008080"/>
+                <a:schemeClr val="accent2"/>
               </a:solidFill>
               <a:round/>
             </a:ln>
@@ -614,11 +614,11 @@
             <c:size val="5"/>
             <c:spPr>
               <a:solidFill>
-                <a:srgbClr val="008080"/>
+                <a:schemeClr val="accent2"/>
               </a:solidFill>
               <a:ln w="44450">
                 <a:solidFill>
-                  <a:srgbClr val="008080"/>
+                  <a:schemeClr val="accent2"/>
                 </a:solidFill>
               </a:ln>
               <a:effectLst/>
@@ -666,7 +666,7 @@
                   <c:v>18.5</c:v>
                 </c:pt>
                 <c:pt idx="4">
-                  <c:v>22.1</c:v>
+                  <c:v>22.5</c:v>
                 </c:pt>
               </c:numCache>
             </c:numRef>
@@ -674,7 +674,7 @@
           <c:smooth val="0"/>
           <c:extLst>
             <c:ext xmlns:c16="http://schemas.microsoft.com/office/drawing/2014/chart" uri="{C3380CC4-5D6E-409C-BE32-E72D297353CC}">
-              <c16:uniqueId val="{00000001-7BCE-4D01-8D8A-B17FA668C58D}"/>
+              <c16:uniqueId val="{00000001-D048-4450-95AD-30BBD7D44284}"/>
             </c:ext>
           </c:extLst>
         </c:ser>
@@ -759,7 +759,7 @@
                   <c:v>20.7</c:v>
                 </c:pt>
                 <c:pt idx="4">
-                  <c:v>24.8</c:v>
+                  <c:v>25.6</c:v>
                 </c:pt>
               </c:numCache>
             </c:numRef>
@@ -767,7 +767,7 @@
           <c:smooth val="0"/>
           <c:extLst>
             <c:ext xmlns:c16="http://schemas.microsoft.com/office/drawing/2014/chart" uri="{C3380CC4-5D6E-409C-BE32-E72D297353CC}">
-              <c16:uniqueId val="{00000002-7BCE-4D01-8D8A-B17FA668C58D}"/>
+              <c16:uniqueId val="{00000002-D048-4450-95AD-30BBD7D44284}"/>
             </c:ext>
           </c:extLst>
         </c:ser>
@@ -813,9 +813,9 @@
           <a:lstStyle/>
           <a:p>
             <a:pPr>
-              <a:defRPr sz="2400" b="0" i="0" u="none" strike="noStrike" kern="1200" baseline="0">
+              <a:defRPr sz="2300" b="0" i="0" u="none" strike="noStrike" kern="1200" baseline="0">
                 <a:solidFill>
-                  <a:schemeClr val="tx1"/>
+                  <a:sysClr val="windowText" lastClr="000000"/>
                 </a:solidFill>
                 <a:latin typeface="+mn-lt"/>
                 <a:ea typeface="+mn-ea"/>
@@ -860,9 +860,9 @@
               <a:lstStyle/>
               <a:p>
                 <a:pPr>
-                  <a:defRPr sz="2800" b="0" i="0" u="none" strike="noStrike" kern="1200" baseline="0">
+                  <a:defRPr sz="2400" b="0" i="0" u="none" strike="noStrike" kern="1200" baseline="0">
                     <a:solidFill>
-                      <a:schemeClr val="tx1"/>
+                      <a:sysClr val="windowText" lastClr="000000"/>
                     </a:solidFill>
                     <a:latin typeface="+mn-lt"/>
                     <a:ea typeface="+mn-ea"/>
@@ -870,24 +870,24 @@
                   </a:defRPr>
                 </a:pPr>
                 <a:r>
-                  <a:rPr lang="en-US" sz="2800" dirty="0">
+                  <a:rPr lang="en-US" sz="2400" dirty="0">
                     <a:solidFill>
-                      <a:schemeClr val="tx1"/>
+                      <a:sysClr val="windowText" lastClr="000000"/>
                     </a:solidFill>
                   </a:rPr>
                   <a:t>Aware</a:t>
                 </a:r>
                 <a:r>
-                  <a:rPr lang="en-US" sz="2800" baseline="0" dirty="0">
+                  <a:rPr lang="en-US" sz="2400" baseline="0" dirty="0">
                     <a:solidFill>
-                      <a:schemeClr val="tx1"/>
+                      <a:sysClr val="windowText" lastClr="000000"/>
                     </a:solidFill>
                   </a:rPr>
                   <a:t> of CKD (%)</a:t>
                 </a:r>
-                <a:endParaRPr lang="en-US" sz="2800" dirty="0">
+                <a:endParaRPr lang="en-US" sz="2400" dirty="0">
                   <a:solidFill>
-                    <a:schemeClr val="tx1"/>
+                    <a:sysClr val="windowText" lastClr="000000"/>
                   </a:solidFill>
                 </a:endParaRPr>
               </a:p>
@@ -897,8 +897,8 @@
             <c:manualLayout>
               <c:xMode val="edge"/>
               <c:yMode val="edge"/>
-              <c:x val="1.1002679369014532E-3"/>
-              <c:y val="0.12575520707580717"/>
+              <c:x val="0"/>
+              <c:y val="0.11762369355799532"/>
             </c:manualLayout>
           </c:layout>
           <c:overlay val="0"/>
@@ -914,9 +914,9 @@
             <a:lstStyle/>
             <a:p>
               <a:pPr>
-                <a:defRPr sz="2800" b="0" i="0" u="none" strike="noStrike" kern="1200" baseline="0">
+                <a:defRPr sz="2400" b="0" i="0" u="none" strike="noStrike" kern="1200" baseline="0">
                   <a:solidFill>
-                    <a:schemeClr val="tx1"/>
+                    <a:sysClr val="windowText" lastClr="000000"/>
                   </a:solidFill>
                   <a:latin typeface="+mn-lt"/>
                   <a:ea typeface="+mn-ea"/>
@@ -943,9 +943,9 @@
           <a:lstStyle/>
           <a:p>
             <a:pPr>
-              <a:defRPr sz="2400" b="0" i="0" u="none" strike="noStrike" kern="1200" baseline="0">
+              <a:defRPr sz="2300" b="0" i="0" u="none" strike="noStrike" kern="1200" baseline="0">
                 <a:solidFill>
-                  <a:schemeClr val="tx1"/>
+                  <a:sysClr val="windowText" lastClr="000000"/>
                 </a:solidFill>
                 <a:latin typeface="+mn-lt"/>
                 <a:ea typeface="+mn-ea"/>
@@ -969,6 +969,16 @@
     </c:plotArea>
     <c:legend>
       <c:legendPos val="b"/>
+      <c:layout>
+        <c:manualLayout>
+          <c:xMode val="edge"/>
+          <c:yMode val="edge"/>
+          <c:x val="0.30927788713910764"/>
+          <c:y val="0.90792955955648358"/>
+          <c:w val="0.41269422572178477"/>
+          <c:h val="8.6746365690153107E-2"/>
+        </c:manualLayout>
+      </c:layout>
       <c:overlay val="0"/>
       <c:spPr>
         <a:noFill/>
@@ -982,9 +992,9 @@
         <a:lstStyle/>
         <a:p>
           <a:pPr>
-            <a:defRPr sz="2400" b="0" i="0" u="none" strike="noStrike" kern="1200" baseline="0">
+            <a:defRPr sz="2200" b="0" i="0" u="none" strike="noStrike" kern="1200" baseline="0">
               <a:solidFill>
-                <a:schemeClr val="tx1"/>
+                <a:sysClr val="windowText" lastClr="000000"/>
               </a:solidFill>
               <a:latin typeface="+mn-lt"/>
               <a:ea typeface="+mn-ea"/>
@@ -1066,7 +1076,7 @@
           <c:spPr>
             <a:ln w="44450" cap="rnd">
               <a:solidFill>
-                <a:srgbClr val="7030A0"/>
+                <a:schemeClr val="accent1"/>
               </a:solidFill>
               <a:round/>
             </a:ln>
@@ -1077,11 +1087,11 @@
             <c:size val="5"/>
             <c:spPr>
               <a:solidFill>
-                <a:srgbClr val="7030A0"/>
+                <a:schemeClr val="accent1"/>
               </a:solidFill>
               <a:ln w="44450">
                 <a:solidFill>
-                  <a:srgbClr val="7030A0"/>
+                  <a:schemeClr val="accent1"/>
                 </a:solidFill>
               </a:ln>
               <a:effectLst/>
@@ -1129,7 +1139,7 @@
                   <c:v>23.8</c:v>
                 </c:pt>
                 <c:pt idx="4">
-                  <c:v>31</c:v>
+                  <c:v>32.200000000000003</c:v>
                 </c:pt>
               </c:numCache>
             </c:numRef>
@@ -1137,7 +1147,7 @@
           <c:smooth val="0"/>
           <c:extLst>
             <c:ext xmlns:c16="http://schemas.microsoft.com/office/drawing/2014/chart" uri="{C3380CC4-5D6E-409C-BE32-E72D297353CC}">
-              <c16:uniqueId val="{00000000-A98B-4F65-AB2B-ACD2D007CC7D}"/>
+              <c16:uniqueId val="{00000000-4BB6-440B-80A6-5390968F03E2}"/>
             </c:ext>
           </c:extLst>
         </c:ser>
@@ -1158,7 +1168,7 @@
           <c:spPr>
             <a:ln w="44450" cap="rnd">
               <a:solidFill>
-                <a:srgbClr val="008080"/>
+                <a:schemeClr val="accent2"/>
               </a:solidFill>
               <a:round/>
             </a:ln>
@@ -1169,11 +1179,11 @@
             <c:size val="5"/>
             <c:spPr>
               <a:solidFill>
-                <a:srgbClr val="008080"/>
+                <a:schemeClr val="accent2"/>
               </a:solidFill>
               <a:ln w="44450">
                 <a:solidFill>
-                  <a:srgbClr val="008080"/>
+                  <a:schemeClr val="accent2"/>
                 </a:solidFill>
               </a:ln>
               <a:effectLst/>
@@ -1221,7 +1231,7 @@
                   <c:v>18.600000000000001</c:v>
                 </c:pt>
                 <c:pt idx="4">
-                  <c:v>20.2</c:v>
+                  <c:v>20.7</c:v>
                 </c:pt>
               </c:numCache>
             </c:numRef>
@@ -1229,7 +1239,7 @@
           <c:smooth val="0"/>
           <c:extLst>
             <c:ext xmlns:c16="http://schemas.microsoft.com/office/drawing/2014/chart" uri="{C3380CC4-5D6E-409C-BE32-E72D297353CC}">
-              <c16:uniqueId val="{00000001-A98B-4F65-AB2B-ACD2D007CC7D}"/>
+              <c16:uniqueId val="{00000001-4BB6-440B-80A6-5390968F03E2}"/>
             </c:ext>
           </c:extLst>
         </c:ser>
@@ -1314,7 +1324,7 @@
                   <c:v>20.7</c:v>
                 </c:pt>
                 <c:pt idx="4">
-                  <c:v>24.8</c:v>
+                  <c:v>25.6</c:v>
                 </c:pt>
               </c:numCache>
             </c:numRef>
@@ -1322,7 +1332,7 @@
           <c:smooth val="0"/>
           <c:extLst>
             <c:ext xmlns:c16="http://schemas.microsoft.com/office/drawing/2014/chart" uri="{C3380CC4-5D6E-409C-BE32-E72D297353CC}">
-              <c16:uniqueId val="{00000002-A98B-4F65-AB2B-ACD2D007CC7D}"/>
+              <c16:uniqueId val="{00000002-4BB6-440B-80A6-5390968F03E2}"/>
             </c:ext>
           </c:extLst>
         </c:ser>
@@ -1368,9 +1378,9 @@
           <a:lstStyle/>
           <a:p>
             <a:pPr>
-              <a:defRPr sz="2400" b="0" i="0" u="none" strike="noStrike" kern="1200" baseline="0">
+              <a:defRPr sz="2300" b="0" i="0" u="none" strike="noStrike" kern="1200" baseline="0">
                 <a:solidFill>
-                  <a:schemeClr val="tx1"/>
+                  <a:sysClr val="windowText" lastClr="000000"/>
                 </a:solidFill>
                 <a:latin typeface="+mn-lt"/>
                 <a:ea typeface="+mn-ea"/>
@@ -1415,9 +1425,9 @@
               <a:lstStyle/>
               <a:p>
                 <a:pPr>
-                  <a:defRPr sz="2800" b="0" i="0" u="none" strike="noStrike" kern="1200" baseline="0">
+                  <a:defRPr sz="2400" b="0" i="0" u="none" strike="noStrike" kern="1200" baseline="0">
                     <a:solidFill>
-                      <a:schemeClr val="tx1"/>
+                      <a:sysClr val="windowText" lastClr="000000"/>
                     </a:solidFill>
                     <a:latin typeface="+mn-lt"/>
                     <a:ea typeface="+mn-ea"/>
@@ -1425,24 +1435,24 @@
                   </a:defRPr>
                 </a:pPr>
                 <a:r>
-                  <a:rPr lang="en-US" sz="2800" dirty="0">
+                  <a:rPr lang="en-US" sz="2400">
                     <a:solidFill>
-                      <a:schemeClr val="tx1"/>
+                      <a:sysClr val="windowText" lastClr="000000"/>
                     </a:solidFill>
                   </a:rPr>
                   <a:t>Aware</a:t>
                 </a:r>
                 <a:r>
-                  <a:rPr lang="en-US" sz="2800" baseline="0" dirty="0">
+                  <a:rPr lang="en-US" sz="2400" baseline="0">
                     <a:solidFill>
-                      <a:schemeClr val="tx1"/>
+                      <a:sysClr val="windowText" lastClr="000000"/>
                     </a:solidFill>
                   </a:rPr>
                   <a:t> of CKD (%)</a:t>
                 </a:r>
-                <a:endParaRPr lang="en-US" sz="2800" dirty="0">
+                <a:endParaRPr lang="en-US" sz="2400">
                   <a:solidFill>
-                    <a:schemeClr val="tx1"/>
+                    <a:sysClr val="windowText" lastClr="000000"/>
                   </a:solidFill>
                 </a:endParaRPr>
               </a:p>
@@ -1452,8 +1462,8 @@
             <c:manualLayout>
               <c:xMode val="edge"/>
               <c:yMode val="edge"/>
-              <c:x val="1.1104895410208615E-3"/>
-              <c:y val="0.128588794161729"/>
+              <c:x val="0"/>
+              <c:y val="0.11590488584353616"/>
             </c:manualLayout>
           </c:layout>
           <c:overlay val="0"/>
@@ -1469,9 +1479,9 @@
             <a:lstStyle/>
             <a:p>
               <a:pPr>
-                <a:defRPr sz="2800" b="0" i="0" u="none" strike="noStrike" kern="1200" baseline="0">
+                <a:defRPr sz="2400" b="0" i="0" u="none" strike="noStrike" kern="1200" baseline="0">
                   <a:solidFill>
-                    <a:schemeClr val="tx1"/>
+                    <a:sysClr val="windowText" lastClr="000000"/>
                   </a:solidFill>
                   <a:latin typeface="+mn-lt"/>
                   <a:ea typeface="+mn-ea"/>
@@ -1498,9 +1508,9 @@
           <a:lstStyle/>
           <a:p>
             <a:pPr>
-              <a:defRPr sz="2400" b="0" i="0" u="none" strike="noStrike" kern="1200" baseline="0">
+              <a:defRPr sz="2300" b="0" i="0" u="none" strike="noStrike" kern="1200" baseline="0">
                 <a:solidFill>
-                  <a:schemeClr val="tx1"/>
+                  <a:sysClr val="windowText" lastClr="000000"/>
                 </a:solidFill>
                 <a:latin typeface="+mn-lt"/>
                 <a:ea typeface="+mn-ea"/>
@@ -1524,6 +1534,16 @@
     </c:plotArea>
     <c:legend>
       <c:legendPos val="b"/>
+      <c:layout>
+        <c:manualLayout>
+          <c:xMode val="edge"/>
+          <c:yMode val="edge"/>
+          <c:x val="0.34973001556184513"/>
+          <c:y val="0.90741520627585481"/>
+          <c:w val="0.33595655642688294"/>
+          <c:h val="8.7230975925103885E-2"/>
+        </c:manualLayout>
+      </c:layout>
       <c:overlay val="0"/>
       <c:spPr>
         <a:noFill/>
@@ -1537,9 +1557,9 @@
         <a:lstStyle/>
         <a:p>
           <a:pPr>
-            <a:defRPr sz="2400" b="0" i="0" u="none" strike="noStrike" kern="1200" baseline="0">
+            <a:defRPr sz="2200" b="0" i="0" u="none" strike="noStrike" kern="1200" baseline="0">
               <a:solidFill>
-                <a:schemeClr val="tx1"/>
+                <a:sysClr val="windowText" lastClr="000000"/>
               </a:solidFill>
               <a:latin typeface="+mn-lt"/>
               <a:ea typeface="+mn-ea"/>
@@ -1621,7 +1641,7 @@
           <c:spPr>
             <a:ln w="44450" cap="rnd">
               <a:solidFill>
-                <a:srgbClr val="7030A0"/>
+                <a:schemeClr val="accent1"/>
               </a:solidFill>
               <a:round/>
             </a:ln>
@@ -1632,11 +1652,11 @@
             <c:size val="5"/>
             <c:spPr>
               <a:solidFill>
-                <a:srgbClr val="7030A0"/>
+                <a:schemeClr val="accent1"/>
               </a:solidFill>
               <a:ln w="44450">
                 <a:solidFill>
-                  <a:srgbClr val="7030A0"/>
+                  <a:schemeClr val="accent1"/>
                 </a:solidFill>
               </a:ln>
               <a:effectLst/>
@@ -1684,7 +1704,7 @@
                   <c:v>18.2</c:v>
                 </c:pt>
                 <c:pt idx="4">
-                  <c:v>23.4</c:v>
+                  <c:v>24</c:v>
                 </c:pt>
               </c:numCache>
             </c:numRef>
@@ -1692,7 +1712,7 @@
           <c:smooth val="0"/>
           <c:extLst>
             <c:ext xmlns:c16="http://schemas.microsoft.com/office/drawing/2014/chart" uri="{C3380CC4-5D6E-409C-BE32-E72D297353CC}">
-              <c16:uniqueId val="{00000000-B51E-40E5-B598-65D8DBCD71FE}"/>
+              <c16:uniqueId val="{00000000-AC74-482A-96E9-85620105AE09}"/>
             </c:ext>
           </c:extLst>
         </c:ser>
@@ -1713,7 +1733,7 @@
           <c:spPr>
             <a:ln w="44450" cap="rnd">
               <a:solidFill>
-                <a:srgbClr val="008080"/>
+                <a:schemeClr val="accent2"/>
               </a:solidFill>
               <a:round/>
             </a:ln>
@@ -1724,11 +1744,11 @@
             <c:size val="5"/>
             <c:spPr>
               <a:solidFill>
-                <a:srgbClr val="008080"/>
+                <a:schemeClr val="accent2"/>
               </a:solidFill>
               <a:ln w="44450">
                 <a:solidFill>
-                  <a:srgbClr val="008080"/>
+                  <a:schemeClr val="accent2"/>
                 </a:solidFill>
               </a:ln>
               <a:effectLst/>
@@ -1776,7 +1796,7 @@
                   <c:v>26.6</c:v>
                 </c:pt>
                 <c:pt idx="4">
-                  <c:v>26.3</c:v>
+                  <c:v>27.7</c:v>
                 </c:pt>
               </c:numCache>
             </c:numRef>
@@ -1784,7 +1804,7 @@
           <c:smooth val="0"/>
           <c:extLst>
             <c:ext xmlns:c16="http://schemas.microsoft.com/office/drawing/2014/chart" uri="{C3380CC4-5D6E-409C-BE32-E72D297353CC}">
-              <c16:uniqueId val="{00000001-B51E-40E5-B598-65D8DBCD71FE}"/>
+              <c16:uniqueId val="{00000001-AC74-482A-96E9-85620105AE09}"/>
             </c:ext>
           </c:extLst>
         </c:ser>
@@ -1869,7 +1889,7 @@
                   <c:v>20.7</c:v>
                 </c:pt>
                 <c:pt idx="4">
-                  <c:v>24.8</c:v>
+                  <c:v>25.6</c:v>
                 </c:pt>
               </c:numCache>
             </c:numRef>
@@ -1877,7 +1897,7 @@
           <c:smooth val="0"/>
           <c:extLst>
             <c:ext xmlns:c16="http://schemas.microsoft.com/office/drawing/2014/chart" uri="{C3380CC4-5D6E-409C-BE32-E72D297353CC}">
-              <c16:uniqueId val="{00000002-B51E-40E5-B598-65D8DBCD71FE}"/>
+              <c16:uniqueId val="{00000002-AC74-482A-96E9-85620105AE09}"/>
             </c:ext>
           </c:extLst>
         </c:ser>
@@ -1923,9 +1943,9 @@
           <a:lstStyle/>
           <a:p>
             <a:pPr>
-              <a:defRPr sz="2400" b="0" i="0" u="none" strike="noStrike" kern="1200" baseline="0">
+              <a:defRPr sz="2300" b="0" i="0" u="none" strike="noStrike" kern="1200" baseline="0">
                 <a:solidFill>
-                  <a:schemeClr val="tx1"/>
+                  <a:sysClr val="windowText" lastClr="000000"/>
                 </a:solidFill>
                 <a:latin typeface="+mn-lt"/>
                 <a:ea typeface="+mn-ea"/>
@@ -1970,9 +1990,9 @@
               <a:lstStyle/>
               <a:p>
                 <a:pPr>
-                  <a:defRPr sz="2800" b="0" i="0" u="none" strike="noStrike" kern="1200" baseline="0">
+                  <a:defRPr sz="2400" b="0" i="0" u="none" strike="noStrike" kern="1200" baseline="0">
                     <a:solidFill>
-                      <a:schemeClr val="tx1"/>
+                      <a:sysClr val="windowText" lastClr="000000"/>
                     </a:solidFill>
                     <a:latin typeface="+mn-lt"/>
                     <a:ea typeface="+mn-ea"/>
@@ -1980,24 +2000,24 @@
                   </a:defRPr>
                 </a:pPr>
                 <a:r>
-                  <a:rPr lang="en-US" sz="2800">
+                  <a:rPr lang="en-US" sz="2400">
                     <a:solidFill>
-                      <a:schemeClr val="tx1"/>
+                      <a:sysClr val="windowText" lastClr="000000"/>
                     </a:solidFill>
                   </a:rPr>
                   <a:t>Aware</a:t>
                 </a:r>
                 <a:r>
-                  <a:rPr lang="en-US" sz="2800" baseline="0">
+                  <a:rPr lang="en-US" sz="2400" baseline="0">
                     <a:solidFill>
-                      <a:schemeClr val="tx1"/>
+                      <a:sysClr val="windowText" lastClr="000000"/>
                     </a:solidFill>
                   </a:rPr>
                   <a:t> of CKD (%)</a:t>
                 </a:r>
-                <a:endParaRPr lang="en-US" sz="2800">
+                <a:endParaRPr lang="en-US" sz="2400">
                   <a:solidFill>
-                    <a:schemeClr val="tx1"/>
+                    <a:sysClr val="windowText" lastClr="000000"/>
                   </a:solidFill>
                 </a:endParaRPr>
               </a:p>
@@ -2008,7 +2028,7 @@
               <c:xMode val="edge"/>
               <c:yMode val="edge"/>
               <c:x val="0"/>
-              <c:y val="0.12369161204776954"/>
+              <c:y val="0.12336300422027251"/>
             </c:manualLayout>
           </c:layout>
           <c:overlay val="0"/>
@@ -2024,9 +2044,9 @@
             <a:lstStyle/>
             <a:p>
               <a:pPr>
-                <a:defRPr sz="2800" b="0" i="0" u="none" strike="noStrike" kern="1200" baseline="0">
+                <a:defRPr sz="2400" b="0" i="0" u="none" strike="noStrike" kern="1200" baseline="0">
                   <a:solidFill>
-                    <a:schemeClr val="tx1"/>
+                    <a:sysClr val="windowText" lastClr="000000"/>
                   </a:solidFill>
                   <a:latin typeface="+mn-lt"/>
                   <a:ea typeface="+mn-ea"/>
@@ -2053,9 +2073,9 @@
           <a:lstStyle/>
           <a:p>
             <a:pPr>
-              <a:defRPr sz="2400" b="0" i="0" u="none" strike="noStrike" kern="1200" baseline="0">
+              <a:defRPr sz="2300" b="0" i="0" u="none" strike="noStrike" kern="1200" baseline="0">
                 <a:solidFill>
-                  <a:schemeClr val="tx1"/>
+                  <a:sysClr val="windowText" lastClr="000000"/>
                 </a:solidFill>
                 <a:latin typeface="+mn-lt"/>
                 <a:ea typeface="+mn-ea"/>
@@ -2079,6 +2099,16 @@
     </c:plotArea>
     <c:legend>
       <c:legendPos val="b"/>
+      <c:layout>
+        <c:manualLayout>
+          <c:xMode val="edge"/>
+          <c:yMode val="edge"/>
+          <c:x val="0.21864544116186357"/>
+          <c:y val="0.91325363430984685"/>
+          <c:w val="0.63562579032363764"/>
+          <c:h val="8.6746365690153107E-2"/>
+        </c:manualLayout>
+      </c:layout>
       <c:overlay val="0"/>
       <c:spPr>
         <a:noFill/>
@@ -2092,9 +2122,9 @@
         <a:lstStyle/>
         <a:p>
           <a:pPr>
-            <a:defRPr sz="2400" b="0" i="0" u="none" strike="noStrike" kern="1200" baseline="0">
+            <a:defRPr sz="2200" b="0" i="0" u="none" strike="noStrike" kern="1200" baseline="0">
               <a:solidFill>
-                <a:schemeClr val="tx1"/>
+                <a:sysClr val="windowText" lastClr="000000"/>
               </a:solidFill>
               <a:latin typeface="+mn-lt"/>
               <a:ea typeface="+mn-ea"/>
@@ -2176,7 +2206,7 @@
           <c:spPr>
             <a:ln w="44450" cap="rnd">
               <a:solidFill>
-                <a:srgbClr val="7030A0"/>
+                <a:schemeClr val="accent1"/>
               </a:solidFill>
               <a:round/>
             </a:ln>
@@ -2187,11 +2217,11 @@
             <c:size val="5"/>
             <c:spPr>
               <a:solidFill>
-                <a:srgbClr val="7030A0"/>
+                <a:schemeClr val="accent1"/>
               </a:solidFill>
               <a:ln w="44450">
                 <a:solidFill>
-                  <a:srgbClr val="7030A0"/>
+                  <a:schemeClr val="accent1"/>
                 </a:solidFill>
               </a:ln>
               <a:effectLst/>
@@ -2239,7 +2269,7 @@
                   <c:v>26.6</c:v>
                 </c:pt>
                 <c:pt idx="4">
-                  <c:v>32.200000000000003</c:v>
+                  <c:v>31</c:v>
                 </c:pt>
               </c:numCache>
             </c:numRef>
@@ -2247,7 +2277,7 @@
           <c:smooth val="0"/>
           <c:extLst>
             <c:ext xmlns:c16="http://schemas.microsoft.com/office/drawing/2014/chart" uri="{C3380CC4-5D6E-409C-BE32-E72D297353CC}">
-              <c16:uniqueId val="{00000000-CFE2-483D-8958-A68E58419BF5}"/>
+              <c16:uniqueId val="{00000000-E551-41A1-AC9C-9C7A72131205}"/>
             </c:ext>
           </c:extLst>
         </c:ser>
@@ -2268,7 +2298,7 @@
           <c:spPr>
             <a:ln w="44450" cap="rnd">
               <a:solidFill>
-                <a:srgbClr val="008080"/>
+                <a:schemeClr val="accent2"/>
               </a:solidFill>
               <a:round/>
             </a:ln>
@@ -2279,11 +2309,11 @@
             <c:size val="5"/>
             <c:spPr>
               <a:solidFill>
-                <a:srgbClr val="008080"/>
+                <a:schemeClr val="accent2"/>
               </a:solidFill>
               <a:ln w="44450">
                 <a:solidFill>
-                  <a:srgbClr val="008080"/>
+                  <a:schemeClr val="accent2"/>
                 </a:solidFill>
               </a:ln>
               <a:effectLst/>
@@ -2331,7 +2361,7 @@
                   <c:v>17.5</c:v>
                 </c:pt>
                 <c:pt idx="4">
-                  <c:v>20.100000000000001</c:v>
+                  <c:v>22.7</c:v>
                 </c:pt>
               </c:numCache>
             </c:numRef>
@@ -2339,7 +2369,7 @@
           <c:smooth val="0"/>
           <c:extLst>
             <c:ext xmlns:c16="http://schemas.microsoft.com/office/drawing/2014/chart" uri="{C3380CC4-5D6E-409C-BE32-E72D297353CC}">
-              <c16:uniqueId val="{00000001-CFE2-483D-8958-A68E58419BF5}"/>
+              <c16:uniqueId val="{00000001-E551-41A1-AC9C-9C7A72131205}"/>
             </c:ext>
           </c:extLst>
         </c:ser>
@@ -2424,7 +2454,7 @@
                   <c:v>20.7</c:v>
                 </c:pt>
                 <c:pt idx="4">
-                  <c:v>24.8</c:v>
+                  <c:v>25.6</c:v>
                 </c:pt>
               </c:numCache>
             </c:numRef>
@@ -2432,7 +2462,7 @@
           <c:smooth val="0"/>
           <c:extLst>
             <c:ext xmlns:c16="http://schemas.microsoft.com/office/drawing/2014/chart" uri="{C3380CC4-5D6E-409C-BE32-E72D297353CC}">
-              <c16:uniqueId val="{00000002-CFE2-483D-8958-A68E58419BF5}"/>
+              <c16:uniqueId val="{00000002-E551-41A1-AC9C-9C7A72131205}"/>
             </c:ext>
           </c:extLst>
         </c:ser>
@@ -2478,7 +2508,7 @@
           <a:lstStyle/>
           <a:p>
             <a:pPr>
-              <a:defRPr sz="2400" b="0" i="0" u="none" strike="noStrike" kern="1200" baseline="0">
+              <a:defRPr sz="2300" b="0" i="0" u="none" strike="noStrike" kern="1200" baseline="0">
                 <a:solidFill>
                   <a:schemeClr val="tx1"/>
                 </a:solidFill>
@@ -2525,7 +2555,7 @@
               <a:lstStyle/>
               <a:p>
                 <a:pPr>
-                  <a:defRPr sz="2800" b="0" i="0" u="none" strike="noStrike" kern="1200" baseline="0">
+                  <a:defRPr sz="2400" b="0" i="0" u="none" strike="noStrike" kern="1200" baseline="0">
                     <a:solidFill>
                       <a:schemeClr val="tx1"/>
                     </a:solidFill>
@@ -2535,7 +2565,7 @@
                   </a:defRPr>
                 </a:pPr>
                 <a:r>
-                  <a:rPr lang="en-US" sz="2800">
+                  <a:rPr lang="en-US" sz="2400">
                     <a:solidFill>
                       <a:schemeClr val="tx1"/>
                     </a:solidFill>
@@ -2543,14 +2573,14 @@
                   <a:t>Aware</a:t>
                 </a:r>
                 <a:r>
-                  <a:rPr lang="en-US" sz="2800" baseline="0">
+                  <a:rPr lang="en-US" sz="2400" baseline="0">
                     <a:solidFill>
                       <a:schemeClr val="tx1"/>
                     </a:solidFill>
                   </a:rPr>
                   <a:t> of CKD (%)</a:t>
                 </a:r>
-                <a:endParaRPr lang="en-US" sz="2800">
+                <a:endParaRPr lang="en-US" sz="2400">
                   <a:solidFill>
                     <a:schemeClr val="tx1"/>
                   </a:solidFill>
@@ -2562,8 +2592,8 @@
             <c:manualLayout>
               <c:xMode val="edge"/>
               <c:yMode val="edge"/>
-              <c:x val="5.5523368517952764E-3"/>
-              <c:y val="0.12635015838535296"/>
+              <c:x val="0"/>
+              <c:y val="0.14325311663825557"/>
             </c:manualLayout>
           </c:layout>
           <c:overlay val="0"/>
@@ -2579,7 +2609,7 @@
             <a:lstStyle/>
             <a:p>
               <a:pPr>
-                <a:defRPr sz="2800" b="0" i="0" u="none" strike="noStrike" kern="1200" baseline="0">
+                <a:defRPr sz="2400" b="0" i="0" u="none" strike="noStrike" kern="1200" baseline="0">
                   <a:solidFill>
                     <a:schemeClr val="tx1"/>
                   </a:solidFill>
@@ -2608,7 +2638,7 @@
           <a:lstStyle/>
           <a:p>
             <a:pPr>
-              <a:defRPr sz="2400" b="0" i="0" u="none" strike="noStrike" kern="1200" baseline="0">
+              <a:defRPr sz="2300" b="0" i="0" u="none" strike="noStrike" kern="1200" baseline="0">
                 <a:solidFill>
                   <a:schemeClr val="tx1"/>
                 </a:solidFill>
@@ -2634,6 +2664,16 @@
     </c:plotArea>
     <c:legend>
       <c:legendPos val="b"/>
+      <c:layout>
+        <c:manualLayout>
+          <c:xMode val="edge"/>
+          <c:yMode val="edge"/>
+          <c:x val="0.31491847112860888"/>
+          <c:y val="0.91301200412819261"/>
+          <c:w val="0.43266305774278213"/>
+          <c:h val="8.698799587180743E-2"/>
+        </c:manualLayout>
+      </c:layout>
       <c:overlay val="0"/>
       <c:spPr>
         <a:noFill/>
@@ -2647,7 +2687,7 @@
         <a:lstStyle/>
         <a:p>
           <a:pPr>
-            <a:defRPr sz="2400" b="0" i="0" u="none" strike="noStrike" kern="1200" baseline="0">
+            <a:defRPr sz="2200" b="0" i="0" u="none" strike="noStrike" kern="1200" baseline="0">
               <a:solidFill>
                 <a:schemeClr val="tx1"/>
               </a:solidFill>
@@ -2731,7 +2771,7 @@
           <c:spPr>
             <a:ln w="44450" cap="rnd">
               <a:solidFill>
-                <a:srgbClr val="008080"/>
+                <a:schemeClr val="accent1"/>
               </a:solidFill>
               <a:round/>
             </a:ln>
@@ -2742,11 +2782,11 @@
             <c:size val="5"/>
             <c:spPr>
               <a:solidFill>
-                <a:srgbClr val="008080"/>
+                <a:schemeClr val="accent1"/>
               </a:solidFill>
               <a:ln w="44450">
                 <a:solidFill>
-                  <a:srgbClr val="008080"/>
+                  <a:schemeClr val="accent1"/>
                 </a:solidFill>
               </a:ln>
               <a:effectLst/>
@@ -2794,7 +2834,7 @@
                   <c:v>22.1</c:v>
                 </c:pt>
                 <c:pt idx="4">
-                  <c:v>25.9</c:v>
+                  <c:v>26.1</c:v>
                 </c:pt>
               </c:numCache>
             </c:numRef>
@@ -2802,7 +2842,7 @@
           <c:smooth val="0"/>
           <c:extLst>
             <c:ext xmlns:c16="http://schemas.microsoft.com/office/drawing/2014/chart" uri="{C3380CC4-5D6E-409C-BE32-E72D297353CC}">
-              <c16:uniqueId val="{00000000-1E27-4102-8B15-1650FD37532C}"/>
+              <c16:uniqueId val="{00000000-3BC4-4AB7-A681-A7D70B519733}"/>
             </c:ext>
           </c:extLst>
         </c:ser>
@@ -2835,9 +2875,7 @@
             <c:size val="5"/>
             <c:spPr>
               <a:solidFill>
-                <a:schemeClr val="tx1">
-                  <a:alpha val="97000"/>
-                </a:schemeClr>
+                <a:schemeClr val="tx1"/>
               </a:solidFill>
               <a:ln w="44450">
                 <a:solidFill>
@@ -2889,7 +2927,7 @@
                   <c:v>20.7</c:v>
                 </c:pt>
                 <c:pt idx="4">
-                  <c:v>24.8</c:v>
+                  <c:v>25.6</c:v>
                 </c:pt>
               </c:numCache>
             </c:numRef>
@@ -2897,7 +2935,7 @@
           <c:smooth val="0"/>
           <c:extLst>
             <c:ext xmlns:c16="http://schemas.microsoft.com/office/drawing/2014/chart" uri="{C3380CC4-5D6E-409C-BE32-E72D297353CC}">
-              <c16:uniqueId val="{00000001-1E27-4102-8B15-1650FD37532C}"/>
+              <c16:uniqueId val="{00000001-3BC4-4AB7-A681-A7D70B519733}"/>
             </c:ext>
           </c:extLst>
         </c:ser>
@@ -2943,7 +2981,7 @@
           <a:lstStyle/>
           <a:p>
             <a:pPr>
-              <a:defRPr sz="2400" b="0" i="0" u="none" strike="noStrike" kern="1200" baseline="0">
+              <a:defRPr sz="2300" b="0" i="0" u="none" strike="noStrike" kern="1200" baseline="0">
                 <a:solidFill>
                   <a:schemeClr val="tx1"/>
                 </a:solidFill>
@@ -2966,7 +3004,6 @@
         <c:axId val="993025999"/>
         <c:scaling>
           <c:orientation val="minMax"/>
-          <c:max val="30"/>
         </c:scaling>
         <c:delete val="0"/>
         <c:axPos val="l"/>
@@ -2991,7 +3028,7 @@
               <a:lstStyle/>
               <a:p>
                 <a:pPr>
-                  <a:defRPr sz="2800" b="0" i="0" u="none" strike="noStrike" kern="1200" baseline="0">
+                  <a:defRPr sz="2400" b="0" i="0" u="none" strike="noStrike" kern="1200" baseline="0">
                     <a:solidFill>
                       <a:schemeClr val="tx1"/>
                     </a:solidFill>
@@ -3001,7 +3038,7 @@
                   </a:defRPr>
                 </a:pPr>
                 <a:r>
-                  <a:rPr lang="en-US" sz="2800">
+                  <a:rPr lang="en-US" sz="2400">
                     <a:solidFill>
                       <a:schemeClr val="tx1"/>
                     </a:solidFill>
@@ -3009,14 +3046,14 @@
                   <a:t>Aware</a:t>
                 </a:r>
                 <a:r>
-                  <a:rPr lang="en-US" sz="2800" baseline="0">
+                  <a:rPr lang="en-US" sz="2400" baseline="0">
                     <a:solidFill>
                       <a:schemeClr val="tx1"/>
                     </a:solidFill>
                   </a:rPr>
                   <a:t> of CKD (%)</a:t>
                 </a:r>
-                <a:endParaRPr lang="en-US" sz="2800">
+                <a:endParaRPr lang="en-US" sz="2400">
                   <a:solidFill>
                     <a:schemeClr val="tx1"/>
                   </a:solidFill>
@@ -3028,8 +3065,8 @@
             <c:manualLayout>
               <c:xMode val="edge"/>
               <c:yMode val="edge"/>
-              <c:x val="1.0952382061171038E-3"/>
-              <c:y val="0.12581349424563107"/>
+              <c:x val="0"/>
+              <c:y val="0.14885684346173161"/>
             </c:manualLayout>
           </c:layout>
           <c:overlay val="0"/>
@@ -3045,7 +3082,7 @@
             <a:lstStyle/>
             <a:p>
               <a:pPr>
-                <a:defRPr sz="2800" b="0" i="0" u="none" strike="noStrike" kern="1200" baseline="0">
+                <a:defRPr sz="2400" b="0" i="0" u="none" strike="noStrike" kern="1200" baseline="0">
                   <a:solidFill>
                     <a:schemeClr val="tx1"/>
                   </a:solidFill>
@@ -3074,7 +3111,7 @@
           <a:lstStyle/>
           <a:p>
             <a:pPr>
-              <a:defRPr sz="2400" b="0" i="0" u="none" strike="noStrike" kern="1200" baseline="0">
+              <a:defRPr sz="2300" b="0" i="0" u="none" strike="noStrike" kern="1200" baseline="0">
                 <a:solidFill>
                   <a:schemeClr val="tx1"/>
                 </a:solidFill>
@@ -3100,6 +3137,16 @@
     </c:plotArea>
     <c:legend>
       <c:legendPos val="b"/>
+      <c:layout>
+        <c:manualLayout>
+          <c:xMode val="edge"/>
+          <c:yMode val="edge"/>
+          <c:x val="0.35690504895874747"/>
+          <c:y val="0.91373290778725558"/>
+          <c:w val="0.30910657062881974"/>
+          <c:h val="8.6267092212744409E-2"/>
+        </c:manualLayout>
+      </c:layout>
       <c:overlay val="0"/>
       <c:spPr>
         <a:noFill/>
@@ -3113,7 +3160,7 @@
         <a:lstStyle/>
         <a:p>
           <a:pPr>
-            <a:defRPr sz="2400" b="0" i="0" u="none" strike="noStrike" kern="1200" baseline="0">
+            <a:defRPr sz="2200" b="0" i="0" u="none" strike="noStrike" kern="1200" baseline="0">
               <a:solidFill>
                 <a:schemeClr val="tx1"/>
               </a:solidFill>
@@ -3197,7 +3244,7 @@
           <c:spPr>
             <a:ln w="44450" cap="rnd">
               <a:solidFill>
-                <a:srgbClr val="7030A0"/>
+                <a:schemeClr val="accent1"/>
               </a:solidFill>
               <a:round/>
             </a:ln>
@@ -3208,11 +3255,11 @@
             <c:size val="5"/>
             <c:spPr>
               <a:solidFill>
-                <a:srgbClr val="7030A0"/>
+                <a:schemeClr val="accent1"/>
               </a:solidFill>
               <a:ln w="44450">
                 <a:solidFill>
-                  <a:srgbClr val="7030A0"/>
+                  <a:schemeClr val="accent1"/>
                 </a:solidFill>
               </a:ln>
               <a:effectLst/>
@@ -3260,7 +3307,7 @@
                   <c:v>13.6</c:v>
                 </c:pt>
                 <c:pt idx="4">
-                  <c:v>16.3</c:v>
+                  <c:v>16.8</c:v>
                 </c:pt>
               </c:numCache>
             </c:numRef>
@@ -3268,7 +3315,7 @@
           <c:smooth val="0"/>
           <c:extLst>
             <c:ext xmlns:c16="http://schemas.microsoft.com/office/drawing/2014/chart" uri="{C3380CC4-5D6E-409C-BE32-E72D297353CC}">
-              <c16:uniqueId val="{00000000-CE35-4C2D-983D-3975ED7C47AF}"/>
+              <c16:uniqueId val="{00000000-61F8-4C35-AC7C-2F25186DB78D}"/>
             </c:ext>
           </c:extLst>
         </c:ser>
@@ -3289,7 +3336,7 @@
           <c:spPr>
             <a:ln w="44450" cap="rnd">
               <a:solidFill>
-                <a:srgbClr val="008080"/>
+                <a:schemeClr val="accent2"/>
               </a:solidFill>
               <a:round/>
             </a:ln>
@@ -3300,11 +3347,11 @@
             <c:size val="5"/>
             <c:spPr>
               <a:solidFill>
-                <a:srgbClr val="008080"/>
+                <a:schemeClr val="accent2"/>
               </a:solidFill>
               <a:ln w="44450">
                 <a:solidFill>
-                  <a:srgbClr val="008080"/>
+                  <a:schemeClr val="accent2"/>
                 </a:solidFill>
               </a:ln>
               <a:effectLst/>
@@ -3352,7 +3399,7 @@
                   <c:v>25.8</c:v>
                 </c:pt>
                 <c:pt idx="4">
-                  <c:v>36.1</c:v>
+                  <c:v>37.5</c:v>
                 </c:pt>
               </c:numCache>
             </c:numRef>
@@ -3360,7 +3407,7 @@
           <c:smooth val="0"/>
           <c:extLst>
             <c:ext xmlns:c16="http://schemas.microsoft.com/office/drawing/2014/chart" uri="{C3380CC4-5D6E-409C-BE32-E72D297353CC}">
-              <c16:uniqueId val="{00000001-CE35-4C2D-983D-3975ED7C47AF}"/>
+              <c16:uniqueId val="{00000001-61F8-4C35-AC7C-2F25186DB78D}"/>
             </c:ext>
           </c:extLst>
         </c:ser>
@@ -3444,7 +3491,7 @@
                   <c:v>50.8</c:v>
                 </c:pt>
                 <c:pt idx="4">
-                  <c:v>70</c:v>
+                  <c:v>66</c:v>
                 </c:pt>
               </c:numCache>
             </c:numRef>
@@ -3452,7 +3499,7 @@
           <c:smooth val="0"/>
           <c:extLst>
             <c:ext xmlns:c16="http://schemas.microsoft.com/office/drawing/2014/chart" uri="{C3380CC4-5D6E-409C-BE32-E72D297353CC}">
-              <c16:uniqueId val="{00000002-CE35-4C2D-983D-3975ED7C47AF}"/>
+              <c16:uniqueId val="{00000002-61F8-4C35-AC7C-2F25186DB78D}"/>
             </c:ext>
           </c:extLst>
         </c:ser>
@@ -3473,7 +3520,7 @@
           <c:spPr>
             <a:ln w="44450" cap="rnd">
               <a:solidFill>
-                <a:schemeClr val="accent2"/>
+                <a:schemeClr val="accent4"/>
               </a:solidFill>
               <a:round/>
             </a:ln>
@@ -3484,11 +3531,11 @@
             <c:size val="5"/>
             <c:spPr>
               <a:solidFill>
-                <a:schemeClr val="accent2"/>
+                <a:schemeClr val="accent4"/>
               </a:solidFill>
               <a:ln w="44450">
                 <a:solidFill>
-                  <a:schemeClr val="accent2"/>
+                  <a:schemeClr val="accent4"/>
                 </a:solidFill>
               </a:ln>
               <a:effectLst/>
@@ -3536,7 +3583,7 @@
                   <c:v>93.4</c:v>
                 </c:pt>
                 <c:pt idx="4">
-                  <c:v>80.8</c:v>
+                  <c:v>83.9</c:v>
                 </c:pt>
               </c:numCache>
             </c:numRef>
@@ -3544,7 +3591,7 @@
           <c:smooth val="0"/>
           <c:extLst>
             <c:ext xmlns:c16="http://schemas.microsoft.com/office/drawing/2014/chart" uri="{C3380CC4-5D6E-409C-BE32-E72D297353CC}">
-              <c16:uniqueId val="{00000003-CE35-4C2D-983D-3975ED7C47AF}"/>
+              <c16:uniqueId val="{00000003-61F8-4C35-AC7C-2F25186DB78D}"/>
             </c:ext>
           </c:extLst>
         </c:ser>
@@ -3629,7 +3676,7 @@
                   <c:v>20.7</c:v>
                 </c:pt>
                 <c:pt idx="4">
-                  <c:v>24.8</c:v>
+                  <c:v>25.6</c:v>
                 </c:pt>
               </c:numCache>
             </c:numRef>
@@ -3637,7 +3684,7 @@
           <c:smooth val="0"/>
           <c:extLst>
             <c:ext xmlns:c16="http://schemas.microsoft.com/office/drawing/2014/chart" uri="{C3380CC4-5D6E-409C-BE32-E72D297353CC}">
-              <c16:uniqueId val="{00000004-CE35-4C2D-983D-3975ED7C47AF}"/>
+              <c16:uniqueId val="{00000004-61F8-4C35-AC7C-2F25186DB78D}"/>
             </c:ext>
           </c:extLst>
         </c:ser>
@@ -3683,7 +3730,7 @@
           <a:lstStyle/>
           <a:p>
             <a:pPr>
-              <a:defRPr sz="2400" b="0" i="0" u="none" strike="noStrike" kern="1200" baseline="0">
+              <a:defRPr sz="2300" b="0" i="0" u="none" strike="noStrike" kern="1200" baseline="0">
                 <a:solidFill>
                   <a:schemeClr val="tx1"/>
                 </a:solidFill>
@@ -3730,7 +3777,7 @@
               <a:lstStyle/>
               <a:p>
                 <a:pPr>
-                  <a:defRPr sz="2800" b="0" i="0" u="none" strike="noStrike" kern="1200" baseline="0">
+                  <a:defRPr sz="2400" b="0" i="0" u="none" strike="noStrike" kern="1200" baseline="0">
                     <a:solidFill>
                       <a:schemeClr val="tx1"/>
                     </a:solidFill>
@@ -3740,7 +3787,7 @@
                   </a:defRPr>
                 </a:pPr>
                 <a:r>
-                  <a:rPr lang="en-US" sz="2800" dirty="0">
+                  <a:rPr lang="en-US" sz="2400">
                     <a:solidFill>
                       <a:schemeClr val="tx1"/>
                     </a:solidFill>
@@ -3748,14 +3795,14 @@
                   <a:t>Aware</a:t>
                 </a:r>
                 <a:r>
-                  <a:rPr lang="en-US" sz="2800" baseline="0" dirty="0">
+                  <a:rPr lang="en-US" sz="2400" baseline="0">
                     <a:solidFill>
                       <a:schemeClr val="tx1"/>
                     </a:solidFill>
                   </a:rPr>
                   <a:t> of CKD (%)</a:t>
                 </a:r>
-                <a:endParaRPr lang="en-US" sz="2800" dirty="0">
+                <a:endParaRPr lang="en-US" sz="2400">
                   <a:solidFill>
                     <a:schemeClr val="tx1"/>
                   </a:solidFill>
@@ -3767,8 +3814,8 @@
             <c:manualLayout>
               <c:xMode val="edge"/>
               <c:yMode val="edge"/>
-              <c:x val="6.5303810983004043E-3"/>
-              <c:y val="0.12534643065401216"/>
+              <c:x val="0"/>
+              <c:y val="0.14366929898497752"/>
             </c:manualLayout>
           </c:layout>
           <c:overlay val="0"/>
@@ -3784,7 +3831,7 @@
             <a:lstStyle/>
             <a:p>
               <a:pPr>
-                <a:defRPr sz="2800" b="0" i="0" u="none" strike="noStrike" kern="1200" baseline="0">
+                <a:defRPr sz="2400" b="0" i="0" u="none" strike="noStrike" kern="1200" baseline="0">
                   <a:solidFill>
                     <a:schemeClr val="tx1"/>
                   </a:solidFill>
@@ -3813,7 +3860,7 @@
           <a:lstStyle/>
           <a:p>
             <a:pPr>
-              <a:defRPr sz="2400" b="0" i="0" u="none" strike="noStrike" kern="1200" baseline="0">
+              <a:defRPr sz="2300" b="0" i="0" u="none" strike="noStrike" kern="1200" baseline="0">
                 <a:solidFill>
                   <a:schemeClr val="tx1"/>
                 </a:solidFill>
@@ -3840,6 +3887,16 @@
     </c:plotArea>
     <c:legend>
       <c:legendPos val="b"/>
+      <c:layout>
+        <c:manualLayout>
+          <c:xMode val="edge"/>
+          <c:yMode val="edge"/>
+          <c:x val="0.12907340879265092"/>
+          <c:y val="0.91301200412819261"/>
+          <c:w val="0.83976984908136487"/>
+          <c:h val="8.698799587180743E-2"/>
+        </c:manualLayout>
+      </c:layout>
       <c:overlay val="0"/>
       <c:spPr>
         <a:noFill/>
@@ -3853,7 +3910,7 @@
         <a:lstStyle/>
         <a:p>
           <a:pPr>
-            <a:defRPr sz="2400" b="0" i="0" u="none" strike="noStrike" kern="1200" baseline="0">
+            <a:defRPr sz="2200" b="0" i="0" u="none" strike="noStrike" kern="1200" baseline="0">
               <a:solidFill>
                 <a:schemeClr val="tx1"/>
               </a:solidFill>
@@ -7830,7 +7887,7 @@
           <a:p>
             <a:fld id="{FEC8F623-83FF-45D9-9165-1796CF17F145}" type="datetimeFigureOut">
               <a:rPr lang="en-US" smtClean="0"/>
-              <a:t>10/19/2023</a:t>
+              <a:t>7/19/2024</a:t>
             </a:fld>
             <a:endParaRPr lang="en-US"/>
           </a:p>
@@ -7998,7 +8055,7 @@
           <a:p>
             <a:fld id="{FEC8F623-83FF-45D9-9165-1796CF17F145}" type="datetimeFigureOut">
               <a:rPr lang="en-US" smtClean="0"/>
-              <a:t>10/19/2023</a:t>
+              <a:t>7/19/2024</a:t>
             </a:fld>
             <a:endParaRPr lang="en-US"/>
           </a:p>
@@ -8176,7 +8233,7 @@
           <a:p>
             <a:fld id="{FEC8F623-83FF-45D9-9165-1796CF17F145}" type="datetimeFigureOut">
               <a:rPr lang="en-US" smtClean="0"/>
-              <a:t>10/19/2023</a:t>
+              <a:t>7/19/2024</a:t>
             </a:fld>
             <a:endParaRPr lang="en-US"/>
           </a:p>
@@ -8344,7 +8401,7 @@
           <a:p>
             <a:fld id="{FEC8F623-83FF-45D9-9165-1796CF17F145}" type="datetimeFigureOut">
               <a:rPr lang="en-US" smtClean="0"/>
-              <a:t>10/19/2023</a:t>
+              <a:t>7/19/2024</a:t>
             </a:fld>
             <a:endParaRPr lang="en-US"/>
           </a:p>
@@ -8624,7 +8681,7 @@
           <a:p>
             <a:fld id="{FEC8F623-83FF-45D9-9165-1796CF17F145}" type="datetimeFigureOut">
               <a:rPr lang="en-US" smtClean="0"/>
-              <a:t>10/19/2023</a:t>
+              <a:t>7/19/2024</a:t>
             </a:fld>
             <a:endParaRPr lang="en-US"/>
           </a:p>
@@ -8877,7 +8934,7 @@
           <a:p>
             <a:fld id="{FEC8F623-83FF-45D9-9165-1796CF17F145}" type="datetimeFigureOut">
               <a:rPr lang="en-US" smtClean="0"/>
-              <a:t>10/19/2023</a:t>
+              <a:t>7/19/2024</a:t>
             </a:fld>
             <a:endParaRPr lang="en-US"/>
           </a:p>
@@ -9265,7 +9322,7 @@
           <a:p>
             <a:fld id="{FEC8F623-83FF-45D9-9165-1796CF17F145}" type="datetimeFigureOut">
               <a:rPr lang="en-US" smtClean="0"/>
-              <a:t>10/19/2023</a:t>
+              <a:t>7/19/2024</a:t>
             </a:fld>
             <a:endParaRPr lang="en-US"/>
           </a:p>
@@ -9406,7 +9463,7 @@
           <a:p>
             <a:fld id="{FEC8F623-83FF-45D9-9165-1796CF17F145}" type="datetimeFigureOut">
               <a:rPr lang="en-US" smtClean="0"/>
-              <a:t>10/19/2023</a:t>
+              <a:t>7/19/2024</a:t>
             </a:fld>
             <a:endParaRPr lang="en-US"/>
           </a:p>
@@ -9501,7 +9558,7 @@
           <a:p>
             <a:fld id="{FEC8F623-83FF-45D9-9165-1796CF17F145}" type="datetimeFigureOut">
               <a:rPr lang="en-US" smtClean="0"/>
-              <a:t>10/19/2023</a:t>
+              <a:t>7/19/2024</a:t>
             </a:fld>
             <a:endParaRPr lang="en-US"/>
           </a:p>
@@ -9776,7 +9833,7 @@
           <a:p>
             <a:fld id="{FEC8F623-83FF-45D9-9165-1796CF17F145}" type="datetimeFigureOut">
               <a:rPr lang="en-US" smtClean="0"/>
-              <a:t>10/19/2023</a:t>
+              <a:t>7/19/2024</a:t>
             </a:fld>
             <a:endParaRPr lang="en-US"/>
           </a:p>
@@ -10028,7 +10085,7 @@
           <a:p>
             <a:fld id="{FEC8F623-83FF-45D9-9165-1796CF17F145}" type="datetimeFigureOut">
               <a:rPr lang="en-US" smtClean="0"/>
-              <a:t>10/19/2023</a:t>
+              <a:t>7/19/2024</a:t>
             </a:fld>
             <a:endParaRPr lang="en-US"/>
           </a:p>
@@ -10239,7 +10296,7 @@
           <a:p>
             <a:fld id="{FEC8F623-83FF-45D9-9165-1796CF17F145}" type="datetimeFigureOut">
               <a:rPr lang="en-US" smtClean="0"/>
-              <a:t>10/19/2023</a:t>
+              <a:t>7/19/2024</a:t>
             </a:fld>
             <a:endParaRPr lang="en-US"/>
           </a:p>
@@ -10729,8 +10786,8 @@
         </p:nvSpPr>
         <p:spPr>
           <a:xfrm>
-            <a:off x="995850" y="3627092"/>
-            <a:ext cx="10200289" cy="2862322"/>
+            <a:off x="291543" y="3574083"/>
+            <a:ext cx="11608903" cy="2585323"/>
           </a:xfrm>
           <a:prstGeom prst="rect">
             <a:avLst/>
@@ -10752,15 +10809,8 @@
                 <a:effectLst/>
                 <a:latin typeface="Open Sans" panose="020B0606030504020204" pitchFamily="34" charset="0"/>
               </a:rPr>
-              <a:t>Among adults with chronic kidney disease (CKD) stages 3–5, the crude prevalence of being aware of having CKD was 24.8% during 2017–March 2020 as compared to 14.6% during 2001–2004. During 2017–March 2020, CKD awareness tended to be higher among non-Hispanic Black adults (26.3%), men (31.0%), those aged &lt; 60 years (40.6%), adults with diabetes (32.2%), and/or with hypertension (25.9%) than their counterparts. CKD awareness tended to be highest among those with more advanced disease. Over 65% of patients with CKD stage 5 were aware of their disease in all years.</a:t>
+              <a:t>Among adults with chronic kidney disease (CKD) stages 3–5, the crude prevalence of being aware of having CKD was 25.6% during 2017–March 2020 as compared to 14.6% during 2001–2004. During 2017–March 2020, CKD awareness tended to be higher among non-Hispanic Black adults (27.7%), men (32.2%), those aged &lt; 60 years (44.4%), adults with diabetes (31.0%), and/or with hypertension (26.1%) than their counterparts. CKD awareness tended to be highest among those with more advanced disease. Over 65% of patients with CKD stage 5 were aware of their disease in all years.</a:t>
             </a:r>
-            <a:endParaRPr lang="en-US" b="1" dirty="0">
-              <a:solidFill>
-                <a:srgbClr val="000000"/>
-              </a:solidFill>
-              <a:effectLst/>
-              <a:latin typeface="Open Sans" panose="020B0606030504020204" pitchFamily="34" charset="0"/>
-            </a:endParaRPr>
           </a:p>
           <a:p>
             <a:pPr algn="l"/>
@@ -10821,7 +10871,7 @@
         </p:nvSpPr>
         <p:spPr>
           <a:xfrm>
-            <a:off x="3584709" y="6352438"/>
+            <a:off x="3584706" y="6159406"/>
             <a:ext cx="5022575" cy="369332"/>
           </a:xfrm>
           <a:prstGeom prst="rect">
@@ -10844,8 +10894,20 @@
                     <a:lumOff val="35000"/>
                   </a:schemeClr>
                 </a:solidFill>
+                <a:hlinkClick r:id="rId3"/>
               </a:rPr>
               <a:t>https://nccd.cdc.gov/CKD/detail.aspx?Qnum=Q98</a:t>
+            </a:r>
+            <a:r>
+              <a:rPr lang="en-US" dirty="0">
+                <a:solidFill>
+                  <a:schemeClr val="tx1">
+                    <a:lumMod val="65000"/>
+                    <a:lumOff val="35000"/>
+                  </a:schemeClr>
+                </a:solidFill>
+              </a:rPr>
+              <a:t> </a:t>
             </a:r>
           </a:p>
         </p:txBody>
@@ -10911,7 +10973,7 @@
       </p:sp>
       <p:graphicFrame>
         <p:nvGraphicFramePr>
-          <p:cNvPr id="4" name="Chart 3">
+          <p:cNvPr id="5" name="Chart 4">
             <a:extLst>
               <a:ext uri="{FF2B5EF4-FFF2-40B4-BE49-F238E27FC236}">
                 <a16:creationId xmlns:a16="http://schemas.microsoft.com/office/drawing/2014/main" id="{53885DAD-6D18-4CF9-8831-55D7754DAE02}"/>
@@ -10924,14 +10986,14 @@
           <p:nvPr>
             <p:extLst>
               <p:ext uri="{D42A27DB-BD31-4B8C-83A1-F6EECF244321}">
-                <p14:modId xmlns:p14="http://schemas.microsoft.com/office/powerpoint/2010/main" val="1066012875"/>
+                <p14:modId xmlns:p14="http://schemas.microsoft.com/office/powerpoint/2010/main" val="3318380319"/>
               </p:ext>
             </p:extLst>
           </p:nvPr>
         </p:nvGraphicFramePr>
         <p:xfrm>
-          <a:off x="331304" y="1540911"/>
-          <a:ext cx="11529391" cy="4674359"/>
+          <a:off x="0" y="1444487"/>
+          <a:ext cx="12192000" cy="4744278"/>
         </p:xfrm>
         <a:graphic>
           <a:graphicData uri="http://schemas.openxmlformats.org/drawingml/2006/chart">
@@ -11006,7 +11068,7 @@
       </p:sp>
       <p:graphicFrame>
         <p:nvGraphicFramePr>
-          <p:cNvPr id="9" name="Chart 8">
+          <p:cNvPr id="4" name="Chart 3">
             <a:extLst>
               <a:ext uri="{FF2B5EF4-FFF2-40B4-BE49-F238E27FC236}">
                 <a16:creationId xmlns:a16="http://schemas.microsoft.com/office/drawing/2014/main" id="{0433AC6B-3176-43A6-A23D-8EB71456161B}"/>
@@ -11019,14 +11081,14 @@
           <p:nvPr>
             <p:extLst>
               <p:ext uri="{D42A27DB-BD31-4B8C-83A1-F6EECF244321}">
-                <p14:modId xmlns:p14="http://schemas.microsoft.com/office/powerpoint/2010/main" val="3019433723"/>
+                <p14:modId xmlns:p14="http://schemas.microsoft.com/office/powerpoint/2010/main" val="944420174"/>
               </p:ext>
             </p:extLst>
           </p:nvPr>
         </p:nvGraphicFramePr>
         <p:xfrm>
-          <a:off x="324678" y="1540911"/>
-          <a:ext cx="11542643" cy="4700863"/>
+          <a:off x="0" y="1417983"/>
+          <a:ext cx="12192000" cy="4770782"/>
         </p:xfrm>
         <a:graphic>
           <a:graphicData uri="http://schemas.openxmlformats.org/drawingml/2006/chart">
@@ -11101,7 +11163,7 @@
       </p:sp>
       <p:graphicFrame>
         <p:nvGraphicFramePr>
-          <p:cNvPr id="5" name="Chart 4">
+          <p:cNvPr id="6" name="Chart 5">
             <a:extLst>
               <a:ext uri="{FF2B5EF4-FFF2-40B4-BE49-F238E27FC236}">
                 <a16:creationId xmlns:a16="http://schemas.microsoft.com/office/drawing/2014/main" id="{591FAC34-5F46-4B85-996C-1411B4561F90}"/>
@@ -11114,14 +11176,14 @@
           <p:nvPr>
             <p:extLst>
               <p:ext uri="{D42A27DB-BD31-4B8C-83A1-F6EECF244321}">
-                <p14:modId xmlns:p14="http://schemas.microsoft.com/office/powerpoint/2010/main" val="1883154029"/>
+                <p14:modId xmlns:p14="http://schemas.microsoft.com/office/powerpoint/2010/main" val="2344699671"/>
               </p:ext>
             </p:extLst>
           </p:nvPr>
         </p:nvGraphicFramePr>
         <p:xfrm>
-          <a:off x="278295" y="1540911"/>
-          <a:ext cx="11635409" cy="4661106"/>
+          <a:off x="0" y="1444487"/>
+          <a:ext cx="12191999" cy="4744278"/>
         </p:xfrm>
         <a:graphic>
           <a:graphicData uri="http://schemas.openxmlformats.org/drawingml/2006/chart">
@@ -11198,7 +11260,7 @@
       </p:sp>
       <p:graphicFrame>
         <p:nvGraphicFramePr>
-          <p:cNvPr id="5" name="Chart 4">
+          <p:cNvPr id="6" name="Chart 5">
             <a:extLst>
               <a:ext uri="{FF2B5EF4-FFF2-40B4-BE49-F238E27FC236}">
                 <a16:creationId xmlns:a16="http://schemas.microsoft.com/office/drawing/2014/main" id="{BD9ED8D1-35A9-40AC-A634-086706F471A0}"/>
@@ -11211,14 +11273,14 @@
           <p:nvPr>
             <p:extLst>
               <p:ext uri="{D42A27DB-BD31-4B8C-83A1-F6EECF244321}">
-                <p14:modId xmlns:p14="http://schemas.microsoft.com/office/powerpoint/2010/main" val="2932079091"/>
+                <p14:modId xmlns:p14="http://schemas.microsoft.com/office/powerpoint/2010/main" val="620016561"/>
               </p:ext>
             </p:extLst>
           </p:nvPr>
         </p:nvGraphicFramePr>
         <p:xfrm>
-          <a:off x="304800" y="1540911"/>
-          <a:ext cx="11582400" cy="4674359"/>
+          <a:off x="0" y="1404731"/>
+          <a:ext cx="12191999" cy="4770782"/>
         </p:xfrm>
         <a:graphic>
           <a:graphicData uri="http://schemas.openxmlformats.org/drawingml/2006/chart">
@@ -11295,7 +11357,7 @@
       </p:sp>
       <p:graphicFrame>
         <p:nvGraphicFramePr>
-          <p:cNvPr id="5" name="Chart 4">
+          <p:cNvPr id="6" name="Chart 5">
             <a:extLst>
               <a:ext uri="{FF2B5EF4-FFF2-40B4-BE49-F238E27FC236}">
                 <a16:creationId xmlns:a16="http://schemas.microsoft.com/office/drawing/2014/main" id="{6D68ECF2-9024-4767-83F6-A000E981EE37}"/>
@@ -11308,14 +11370,14 @@
           <p:nvPr>
             <p:extLst>
               <p:ext uri="{D42A27DB-BD31-4B8C-83A1-F6EECF244321}">
-                <p14:modId xmlns:p14="http://schemas.microsoft.com/office/powerpoint/2010/main" val="1266173278"/>
+                <p14:modId xmlns:p14="http://schemas.microsoft.com/office/powerpoint/2010/main" val="4098080670"/>
               </p:ext>
             </p:extLst>
           </p:nvPr>
         </p:nvGraphicFramePr>
         <p:xfrm>
-          <a:off x="240196" y="1540911"/>
-          <a:ext cx="11711608" cy="4674359"/>
+          <a:off x="0" y="1431235"/>
+          <a:ext cx="12192000" cy="4757530"/>
         </p:xfrm>
         <a:graphic>
           <a:graphicData uri="http://schemas.openxmlformats.org/drawingml/2006/chart">
@@ -11392,7 +11454,7 @@
       </p:sp>
       <p:graphicFrame>
         <p:nvGraphicFramePr>
-          <p:cNvPr id="5" name="Chart 4">
+          <p:cNvPr id="6" name="Chart 5">
             <a:extLst>
               <a:ext uri="{FF2B5EF4-FFF2-40B4-BE49-F238E27FC236}">
                 <a16:creationId xmlns:a16="http://schemas.microsoft.com/office/drawing/2014/main" id="{A59A7703-820E-49BC-8C46-9AA3687512B4}"/>
@@ -11405,14 +11467,14 @@
           <p:nvPr>
             <p:extLst>
               <p:ext uri="{D42A27DB-BD31-4B8C-83A1-F6EECF244321}">
-                <p14:modId xmlns:p14="http://schemas.microsoft.com/office/powerpoint/2010/main" val="3582004843"/>
+                <p14:modId xmlns:p14="http://schemas.microsoft.com/office/powerpoint/2010/main" val="1566585209"/>
               </p:ext>
             </p:extLst>
           </p:nvPr>
         </p:nvGraphicFramePr>
         <p:xfrm>
-          <a:off x="298174" y="1540911"/>
-          <a:ext cx="11595651" cy="4700863"/>
+          <a:off x="0" y="1391478"/>
+          <a:ext cx="12191999" cy="4797287"/>
         </p:xfrm>
         <a:graphic>
           <a:graphicData uri="http://schemas.openxmlformats.org/drawingml/2006/chart">
@@ -11489,7 +11551,7 @@
       </p:sp>
       <p:graphicFrame>
         <p:nvGraphicFramePr>
-          <p:cNvPr id="5" name="Chart 4">
+          <p:cNvPr id="6" name="Chart 5">
             <a:extLst>
               <a:ext uri="{FF2B5EF4-FFF2-40B4-BE49-F238E27FC236}">
                 <a16:creationId xmlns:a16="http://schemas.microsoft.com/office/drawing/2014/main" id="{E3E4EB7D-876A-4DCE-985D-93EEC747CF13}"/>
@@ -11502,14 +11564,14 @@
           <p:nvPr>
             <p:extLst>
               <p:ext uri="{D42A27DB-BD31-4B8C-83A1-F6EECF244321}">
-                <p14:modId xmlns:p14="http://schemas.microsoft.com/office/powerpoint/2010/main" val="2897929300"/>
+                <p14:modId xmlns:p14="http://schemas.microsoft.com/office/powerpoint/2010/main" val="4162158461"/>
               </p:ext>
             </p:extLst>
           </p:nvPr>
         </p:nvGraphicFramePr>
         <p:xfrm>
-          <a:off x="261731" y="1540911"/>
-          <a:ext cx="11668538" cy="4661106"/>
+          <a:off x="0" y="1431235"/>
+          <a:ext cx="12192000" cy="4757530"/>
         </p:xfrm>
         <a:graphic>
           <a:graphicData uri="http://schemas.openxmlformats.org/drawingml/2006/chart">
